--- a/EZJ/World Airbnb.pptx
+++ b/EZJ/World Airbnb.pptx
@@ -370,7 +370,7 @@
           <a:p>
             <a:fld id="{9184DA70-C731-4C70-880D-CCD4705E623C}" type="datetime1">
               <a:rPr lang="en-US" smtClean="0"/>
-              <a:t>1/27/2020</a:t>
+              <a:t>1/28/2020</a:t>
             </a:fld>
             <a:endParaRPr lang="en-US" dirty="0"/>
           </a:p>
@@ -558,7 +558,7 @@
           <a:p>
             <a:fld id="{B612A279-0833-481D-8C56-F67FD0AC6C50}" type="datetime1">
               <a:rPr lang="en-US" smtClean="0"/>
-              <a:t>1/27/2020</a:t>
+              <a:t>1/28/2020</a:t>
             </a:fld>
             <a:endParaRPr lang="en-US" dirty="0"/>
           </a:p>
@@ -800,7 +800,7 @@
           <a:p>
             <a:fld id="{6587DA83-5663-4C9C-B9AA-0B40A3DAFF81}" type="datetime1">
               <a:rPr lang="en-US" smtClean="0"/>
-              <a:t>1/27/2020</a:t>
+              <a:t>1/28/2020</a:t>
             </a:fld>
             <a:endParaRPr lang="en-US" dirty="0"/>
           </a:p>
@@ -988,7 +988,7 @@
           <a:p>
             <a:fld id="{4BE1D723-8F53-4F53-90B0-1982A396982E}" type="datetime1">
               <a:rPr lang="en-US" smtClean="0"/>
-              <a:t>1/27/2020</a:t>
+              <a:t>1/28/2020</a:t>
             </a:fld>
             <a:endParaRPr lang="en-US" dirty="0"/>
           </a:p>
@@ -1361,7 +1361,7 @@
           <a:p>
             <a:fld id="{97669AF7-7BEB-44E4-9852-375E34362B5B}" type="datetime1">
               <a:rPr lang="en-US" smtClean="0"/>
-              <a:t>1/27/2020</a:t>
+              <a:t>1/28/2020</a:t>
             </a:fld>
             <a:endParaRPr lang="en-US" dirty="0"/>
           </a:p>
@@ -1616,7 +1616,7 @@
           <a:p>
             <a:fld id="{BAAAC38D-0552-4C82-B593-E6124DFADBE2}" type="datetime1">
               <a:rPr lang="en-US" smtClean="0"/>
-              <a:t>1/27/2020</a:t>
+              <a:t>1/28/2020</a:t>
             </a:fld>
             <a:endParaRPr lang="en-US" dirty="0"/>
           </a:p>
@@ -2013,7 +2013,7 @@
           <a:p>
             <a:fld id="{D9DF0F1C-5577-4ACB-BB62-DF8F3C494C7E}" type="datetime1">
               <a:rPr lang="en-US" smtClean="0"/>
-              <a:t>1/27/2020</a:t>
+              <a:t>1/28/2020</a:t>
             </a:fld>
             <a:endParaRPr lang="en-US" dirty="0"/>
           </a:p>
@@ -2149,7 +2149,7 @@
           <a:p>
             <a:fld id="{1775B394-D9F9-4F0C-B15D-605F45CB9E9F}" type="datetime1">
               <a:rPr lang="en-US" smtClean="0"/>
-              <a:t>1/27/2020</a:t>
+              <a:t>1/28/2020</a:t>
             </a:fld>
             <a:endParaRPr lang="en-US" dirty="0"/>
           </a:p>
@@ -2306,7 +2306,7 @@
           <a:p>
             <a:fld id="{39667345-2558-425A-8533-9BFDBCE15005}" type="datetime1">
               <a:rPr lang="en-US" smtClean="0"/>
-              <a:t>1/27/2020</a:t>
+              <a:t>1/28/2020</a:t>
             </a:fld>
             <a:endParaRPr lang="en-US" dirty="0"/>
           </a:p>
@@ -2635,7 +2635,7 @@
           <a:p>
             <a:fld id="{92BEA474-078D-4E9B-9B14-09A87B19DC46}" type="datetime1">
               <a:rPr lang="en-US" smtClean="0"/>
-              <a:t>1/27/2020</a:t>
+              <a:t>1/28/2020</a:t>
             </a:fld>
             <a:endParaRPr lang="en-US" dirty="0"/>
           </a:p>
@@ -2985,7 +2985,7 @@
           <a:p>
             <a:fld id="{4907D986-8816-4272-A432-0437A28A9828}" type="datetime1">
               <a:rPr lang="en-US" smtClean="0"/>
-              <a:t>1/27/2020</a:t>
+              <a:t>1/28/2020</a:t>
             </a:fld>
             <a:endParaRPr lang="en-US" dirty="0"/>
           </a:p>
@@ -3246,7 +3246,7 @@
           <a:p>
             <a:fld id="{62D6E202-B606-4609-B914-27C9371A1F6D}" type="datetime1">
               <a:rPr lang="en-US" smtClean="0"/>
-              <a:t>1/27/2020</a:t>
+              <a:t>1/28/2020</a:t>
             </a:fld>
             <a:endParaRPr lang="en-US" dirty="0"/>
           </a:p>
@@ -5399,7 +5399,7 @@
                 <a:latin typeface="Arial" panose="020B0604020202020204" pitchFamily="34" charset="0"/>
                 <a:cs typeface="Arial" panose="020B0604020202020204" pitchFamily="34" charset="0"/>
               </a:rPr>
-              <a:t>Null Ho:</a:t>
+              <a:t>H1:</a:t>
             </a:r>
           </a:p>
           <a:p>
@@ -5410,6 +5410,22 @@
               </a:rPr>
               <a:t>if a host has a high number of properties then their ratings are not higher than hosts with fewer properties</a:t>
             </a:r>
+          </a:p>
+          <a:p>
+            <a:endParaRPr lang="en-US" sz="2400" b="1" dirty="0">
+              <a:latin typeface="Arial" panose="020B0604020202020204" pitchFamily="34" charset="0"/>
+              <a:cs typeface="Arial" panose="020B0604020202020204" pitchFamily="34" charset="0"/>
+            </a:endParaRPr>
+          </a:p>
+          <a:p>
+            <a:r>
+              <a:rPr lang="en-US" dirty="0"/>
+              <a:t>None of the factors we are analyzing (neighborhood, number of listings per host, room type, price, keywords in description, how long the host has been hosting, and certain amenities) have an impact on the overall rating.</a:t>
+            </a:r>
+            <a:endParaRPr lang="en-US" sz="2400" b="1" dirty="0">
+              <a:latin typeface="Arial" panose="020B0604020202020204" pitchFamily="34" charset="0"/>
+              <a:cs typeface="Arial" panose="020B0604020202020204" pitchFamily="34" charset="0"/>
+            </a:endParaRPr>
           </a:p>
         </p:txBody>
       </p:sp>

--- a/EZJ/World Airbnb.pptx
+++ b/EZJ/World Airbnb.pptx
@@ -16,10 +16,15 @@
     <p:sldId id="267" r:id="rId10"/>
     <p:sldId id="268" r:id="rId11"/>
     <p:sldId id="269" r:id="rId12"/>
-    <p:sldId id="270" r:id="rId13"/>
-    <p:sldId id="271" r:id="rId14"/>
-    <p:sldId id="261" r:id="rId15"/>
-    <p:sldId id="265" r:id="rId16"/>
+    <p:sldId id="274" r:id="rId13"/>
+    <p:sldId id="272" r:id="rId14"/>
+    <p:sldId id="273" r:id="rId15"/>
+    <p:sldId id="275" r:id="rId16"/>
+    <p:sldId id="276" r:id="rId17"/>
+    <p:sldId id="270" r:id="rId18"/>
+    <p:sldId id="271" r:id="rId19"/>
+    <p:sldId id="261" r:id="rId20"/>
+    <p:sldId id="265" r:id="rId21"/>
   </p:sldIdLst>
   <p:sldSz cx="12192000" cy="6858000"/>
   <p:notesSz cx="6858000" cy="9144000"/>
@@ -370,7 +375,7 @@
           <a:p>
             <a:fld id="{9184DA70-C731-4C70-880D-CCD4705E623C}" type="datetime1">
               <a:rPr lang="en-US" smtClean="0"/>
-              <a:t>1/28/2020</a:t>
+              <a:t>1/29/2020</a:t>
             </a:fld>
             <a:endParaRPr lang="en-US" dirty="0"/>
           </a:p>
@@ -558,7 +563,7 @@
           <a:p>
             <a:fld id="{B612A279-0833-481D-8C56-F67FD0AC6C50}" type="datetime1">
               <a:rPr lang="en-US" smtClean="0"/>
-              <a:t>1/28/2020</a:t>
+              <a:t>1/29/2020</a:t>
             </a:fld>
             <a:endParaRPr lang="en-US" dirty="0"/>
           </a:p>
@@ -800,7 +805,7 @@
           <a:p>
             <a:fld id="{6587DA83-5663-4C9C-B9AA-0B40A3DAFF81}" type="datetime1">
               <a:rPr lang="en-US" smtClean="0"/>
-              <a:t>1/28/2020</a:t>
+              <a:t>1/29/2020</a:t>
             </a:fld>
             <a:endParaRPr lang="en-US" dirty="0"/>
           </a:p>
@@ -988,7 +993,7 @@
           <a:p>
             <a:fld id="{4BE1D723-8F53-4F53-90B0-1982A396982E}" type="datetime1">
               <a:rPr lang="en-US" smtClean="0"/>
-              <a:t>1/28/2020</a:t>
+              <a:t>1/29/2020</a:t>
             </a:fld>
             <a:endParaRPr lang="en-US" dirty="0"/>
           </a:p>
@@ -1361,7 +1366,7 @@
           <a:p>
             <a:fld id="{97669AF7-7BEB-44E4-9852-375E34362B5B}" type="datetime1">
               <a:rPr lang="en-US" smtClean="0"/>
-              <a:t>1/28/2020</a:t>
+              <a:t>1/29/2020</a:t>
             </a:fld>
             <a:endParaRPr lang="en-US" dirty="0"/>
           </a:p>
@@ -1616,7 +1621,7 @@
           <a:p>
             <a:fld id="{BAAAC38D-0552-4C82-B593-E6124DFADBE2}" type="datetime1">
               <a:rPr lang="en-US" smtClean="0"/>
-              <a:t>1/28/2020</a:t>
+              <a:t>1/29/2020</a:t>
             </a:fld>
             <a:endParaRPr lang="en-US" dirty="0"/>
           </a:p>
@@ -2013,7 +2018,7 @@
           <a:p>
             <a:fld id="{D9DF0F1C-5577-4ACB-BB62-DF8F3C494C7E}" type="datetime1">
               <a:rPr lang="en-US" smtClean="0"/>
-              <a:t>1/28/2020</a:t>
+              <a:t>1/29/2020</a:t>
             </a:fld>
             <a:endParaRPr lang="en-US" dirty="0"/>
           </a:p>
@@ -2149,7 +2154,7 @@
           <a:p>
             <a:fld id="{1775B394-D9F9-4F0C-B15D-605F45CB9E9F}" type="datetime1">
               <a:rPr lang="en-US" smtClean="0"/>
-              <a:t>1/28/2020</a:t>
+              <a:t>1/29/2020</a:t>
             </a:fld>
             <a:endParaRPr lang="en-US" dirty="0"/>
           </a:p>
@@ -2306,7 +2311,7 @@
           <a:p>
             <a:fld id="{39667345-2558-425A-8533-9BFDBCE15005}" type="datetime1">
               <a:rPr lang="en-US" smtClean="0"/>
-              <a:t>1/28/2020</a:t>
+              <a:t>1/29/2020</a:t>
             </a:fld>
             <a:endParaRPr lang="en-US" dirty="0"/>
           </a:p>
@@ -2635,7 +2640,7 @@
           <a:p>
             <a:fld id="{92BEA474-078D-4E9B-9B14-09A87B19DC46}" type="datetime1">
               <a:rPr lang="en-US" smtClean="0"/>
-              <a:t>1/28/2020</a:t>
+              <a:t>1/29/2020</a:t>
             </a:fld>
             <a:endParaRPr lang="en-US" dirty="0"/>
           </a:p>
@@ -2985,7 +2990,7 @@
           <a:p>
             <a:fld id="{4907D986-8816-4272-A432-0437A28A9828}" type="datetime1">
               <a:rPr lang="en-US" smtClean="0"/>
-              <a:t>1/28/2020</a:t>
+              <a:t>1/29/2020</a:t>
             </a:fld>
             <a:endParaRPr lang="en-US" dirty="0"/>
           </a:p>
@@ -3246,7 +3251,7 @@
           <a:p>
             <a:fld id="{62D6E202-B606-4609-B914-27C9371A1F6D}" type="datetime1">
               <a:rPr lang="en-US" smtClean="0"/>
-              <a:t>1/28/2020</a:t>
+              <a:t>1/29/2020</a:t>
             </a:fld>
             <a:endParaRPr lang="en-US" dirty="0"/>
           </a:p>
@@ -4301,112 +4306,57 @@
           <a:chExt cx="0" cy="0"/>
         </a:xfrm>
       </p:grpSpPr>
-      <p:sp>
-        <p:nvSpPr>
-          <p:cNvPr id="2" name="Title 1">
-            <a:extLst>
-              <a:ext uri="{FF2B5EF4-FFF2-40B4-BE49-F238E27FC236}">
-                <a16:creationId xmlns:a16="http://schemas.microsoft.com/office/drawing/2014/main" id="{01E69718-F957-42E4-BFE2-C681A5052620}"/>
-              </a:ext>
-            </a:extLst>
-          </p:cNvPr>
-          <p:cNvSpPr>
-            <a:spLocks noGrp="1"/>
-          </p:cNvSpPr>
-          <p:nvPr>
-            <p:ph type="title"/>
-          </p:nvPr>
-        </p:nvSpPr>
-        <p:spPr>
-          <a:xfrm>
-            <a:off x="1097280" y="286603"/>
-            <a:ext cx="10058400" cy="702305"/>
-          </a:xfrm>
-        </p:spPr>
-        <p:txBody>
-          <a:bodyPr anchor="t">
-            <a:normAutofit fontScale="90000"/>
-          </a:bodyPr>
-          <a:lstStyle/>
-          <a:p>
-            <a:r>
-              <a:rPr lang="en-US" dirty="0">
-                <a:latin typeface="Arial Black" panose="020B0A04020102020204" pitchFamily="34" charset="0"/>
-              </a:rPr>
-              <a:t>Hawaii Airbnb</a:t>
-            </a:r>
-            <a:br>
-              <a:rPr lang="en-US" dirty="0">
-                <a:latin typeface="Arial Black" panose="020B0A04020102020204" pitchFamily="34" charset="0"/>
-              </a:rPr>
-            </a:br>
-            <a:r>
-              <a:rPr lang="en-US" sz="4800" dirty="0">
+      <p:pic>
+        <p:nvPicPr>
+          <p:cNvPr id="3074" name="Picture 2">
+            <a:extLst>
+              <a:ext uri="{FF2B5EF4-FFF2-40B4-BE49-F238E27FC236}">
+                <a16:creationId xmlns:a16="http://schemas.microsoft.com/office/drawing/2014/main" id="{16A817B7-47F5-4850-9589-FF590BB76A35}"/>
+              </a:ext>
+            </a:extLst>
+          </p:cNvPr>
+          <p:cNvPicPr>
+            <a:picLocks noChangeAspect="1" noChangeArrowheads="1"/>
+          </p:cNvPicPr>
+          <p:nvPr/>
+        </p:nvPicPr>
+        <p:blipFill>
+          <a:blip r:embed="rId2">
+            <a:extLst>
+              <a:ext uri="{28A0092B-C50C-407E-A947-70E740481C1C}">
+                <a14:useLocalDpi xmlns:a14="http://schemas.microsoft.com/office/drawing/2010/main" val="0"/>
+              </a:ext>
+            </a:extLst>
+          </a:blip>
+          <a:srcRect/>
+          <a:stretch>
+            <a:fillRect/>
+          </a:stretch>
+        </p:blipFill>
+        <p:spPr bwMode="auto">
+          <a:xfrm>
+            <a:off x="1852613" y="142875"/>
+            <a:ext cx="8486775" cy="6572250"/>
+          </a:xfrm>
+          <a:prstGeom prst="rect">
+            <a:avLst/>
+          </a:prstGeom>
+          <a:noFill/>
+          <a:extLst>
+            <a:ext uri="{909E8E84-426E-40DD-AFC4-6F175D3DCCD1}">
+              <a14:hiddenFill xmlns:a14="http://schemas.microsoft.com/office/drawing/2010/main">
                 <a:solidFill>
-                  <a:srgbClr val="0070C0"/>
+                  <a:srgbClr val="FFFFFF"/>
                 </a:solidFill>
-                <a:latin typeface="Arial Black" panose="020B0A04020102020204" pitchFamily="34" charset="0"/>
-              </a:rPr>
-              <a:t>Conclusion</a:t>
-            </a:r>
-            <a:endParaRPr lang="en-US" dirty="0">
-              <a:latin typeface="Arial Black" panose="020B0A04020102020204" pitchFamily="34" charset="0"/>
-            </a:endParaRPr>
-          </a:p>
-        </p:txBody>
-      </p:sp>
-      <p:sp>
-        <p:nvSpPr>
-          <p:cNvPr id="3" name="Content Placeholder 2">
-            <a:extLst>
-              <a:ext uri="{FF2B5EF4-FFF2-40B4-BE49-F238E27FC236}">
-                <a16:creationId xmlns:a16="http://schemas.microsoft.com/office/drawing/2014/main" id="{FA97FEB7-9FC7-4DB8-9A57-85E4C5BC4BA8}"/>
-              </a:ext>
-            </a:extLst>
-          </p:cNvPr>
-          <p:cNvSpPr>
-            <a:spLocks noGrp="1"/>
-          </p:cNvSpPr>
-          <p:nvPr>
-            <p:ph idx="1"/>
-          </p:nvPr>
-        </p:nvSpPr>
-        <p:spPr/>
-        <p:txBody>
-          <a:bodyPr/>
-          <a:lstStyle/>
-          <a:p>
-            <a:pPr marL="571500" indent="-571500">
-              <a:buFont typeface="Wingdings" panose="05000000000000000000" pitchFamily="2" charset="2"/>
-              <a:buChar char="§"/>
-              <a:tabLst>
-                <a:tab pos="57150" algn="l"/>
-              </a:tabLst>
-            </a:pPr>
-            <a:r>
-              <a:rPr lang="en-US" dirty="0"/>
-              <a:t>X</a:t>
-            </a:r>
-          </a:p>
-          <a:p>
-            <a:pPr marL="571500" indent="-571500">
-              <a:buFont typeface="Wingdings" panose="05000000000000000000" pitchFamily="2" charset="2"/>
-              <a:buChar char="§"/>
-              <a:tabLst>
-                <a:tab pos="57150" algn="l"/>
-              </a:tabLst>
-            </a:pPr>
-            <a:r>
-              <a:rPr lang="en-US" dirty="0"/>
-              <a:t>y</a:t>
-            </a:r>
-          </a:p>
-        </p:txBody>
-      </p:sp>
+              </a14:hiddenFill>
+            </a:ext>
+          </a:extLst>
+        </p:spPr>
+      </p:pic>
     </p:spTree>
     <p:extLst>
       <p:ext uri="{BB962C8B-B14F-4D97-AF65-F5344CB8AC3E}">
-        <p14:creationId xmlns:p14="http://schemas.microsoft.com/office/powerpoint/2010/main" val="2999798160"/>
+        <p14:creationId xmlns:p14="http://schemas.microsoft.com/office/powerpoint/2010/main" val="2417691426"/>
       </p:ext>
     </p:extLst>
   </p:cSld>
@@ -4433,112 +4383,57 @@
           <a:chExt cx="0" cy="0"/>
         </a:xfrm>
       </p:grpSpPr>
-      <p:sp>
-        <p:nvSpPr>
-          <p:cNvPr id="2" name="Title 1">
-            <a:extLst>
-              <a:ext uri="{FF2B5EF4-FFF2-40B4-BE49-F238E27FC236}">
-                <a16:creationId xmlns:a16="http://schemas.microsoft.com/office/drawing/2014/main" id="{01E69718-F957-42E4-BFE2-C681A5052620}"/>
-              </a:ext>
-            </a:extLst>
-          </p:cNvPr>
-          <p:cNvSpPr>
-            <a:spLocks noGrp="1"/>
-          </p:cNvSpPr>
-          <p:nvPr>
-            <p:ph type="title"/>
-          </p:nvPr>
-        </p:nvSpPr>
-        <p:spPr>
-          <a:xfrm>
-            <a:off x="1097280" y="286603"/>
-            <a:ext cx="10058400" cy="702305"/>
-          </a:xfrm>
-        </p:spPr>
-        <p:txBody>
-          <a:bodyPr anchor="t">
-            <a:normAutofit fontScale="90000"/>
-          </a:bodyPr>
-          <a:lstStyle/>
-          <a:p>
-            <a:r>
-              <a:rPr lang="en-US" dirty="0">
-                <a:latin typeface="Arial Black" panose="020B0A04020102020204" pitchFamily="34" charset="0"/>
-              </a:rPr>
-              <a:t>Hawaii Airbnb</a:t>
-            </a:r>
-            <a:br>
-              <a:rPr lang="en-US" dirty="0">
-                <a:latin typeface="Arial Black" panose="020B0A04020102020204" pitchFamily="34" charset="0"/>
-              </a:rPr>
-            </a:br>
-            <a:r>
-              <a:rPr lang="en-US" sz="4800" dirty="0">
+      <p:pic>
+        <p:nvPicPr>
+          <p:cNvPr id="2050" name="Picture 2">
+            <a:extLst>
+              <a:ext uri="{FF2B5EF4-FFF2-40B4-BE49-F238E27FC236}">
+                <a16:creationId xmlns:a16="http://schemas.microsoft.com/office/drawing/2014/main" id="{0211813C-80D5-4677-93D7-27F35AF426EA}"/>
+              </a:ext>
+            </a:extLst>
+          </p:cNvPr>
+          <p:cNvPicPr>
+            <a:picLocks noChangeAspect="1" noChangeArrowheads="1"/>
+          </p:cNvPicPr>
+          <p:nvPr/>
+        </p:nvPicPr>
+        <p:blipFill>
+          <a:blip r:embed="rId2">
+            <a:extLst>
+              <a:ext uri="{28A0092B-C50C-407E-A947-70E740481C1C}">
+                <a14:useLocalDpi xmlns:a14="http://schemas.microsoft.com/office/drawing/2010/main" val="0"/>
+              </a:ext>
+            </a:extLst>
+          </a:blip>
+          <a:srcRect/>
+          <a:stretch>
+            <a:fillRect/>
+          </a:stretch>
+        </p:blipFill>
+        <p:spPr bwMode="auto">
+          <a:xfrm>
+            <a:off x="419100" y="366713"/>
+            <a:ext cx="11353800" cy="6124575"/>
+          </a:xfrm>
+          <a:prstGeom prst="rect">
+            <a:avLst/>
+          </a:prstGeom>
+          <a:noFill/>
+          <a:extLst>
+            <a:ext uri="{909E8E84-426E-40DD-AFC4-6F175D3DCCD1}">
+              <a14:hiddenFill xmlns:a14="http://schemas.microsoft.com/office/drawing/2010/main">
                 <a:solidFill>
-                  <a:srgbClr val="0070C0"/>
+                  <a:srgbClr val="FFFFFF"/>
                 </a:solidFill>
-                <a:latin typeface="Arial Black" panose="020B0A04020102020204" pitchFamily="34" charset="0"/>
-              </a:rPr>
-              <a:t>Recommendation</a:t>
-            </a:r>
-            <a:endParaRPr lang="en-US" dirty="0">
-              <a:latin typeface="Arial Black" panose="020B0A04020102020204" pitchFamily="34" charset="0"/>
-            </a:endParaRPr>
-          </a:p>
-        </p:txBody>
-      </p:sp>
-      <p:sp>
-        <p:nvSpPr>
-          <p:cNvPr id="3" name="Content Placeholder 2">
-            <a:extLst>
-              <a:ext uri="{FF2B5EF4-FFF2-40B4-BE49-F238E27FC236}">
-                <a16:creationId xmlns:a16="http://schemas.microsoft.com/office/drawing/2014/main" id="{FA97FEB7-9FC7-4DB8-9A57-85E4C5BC4BA8}"/>
-              </a:ext>
-            </a:extLst>
-          </p:cNvPr>
-          <p:cNvSpPr>
-            <a:spLocks noGrp="1"/>
-          </p:cNvSpPr>
-          <p:nvPr>
-            <p:ph idx="1"/>
-          </p:nvPr>
-        </p:nvSpPr>
-        <p:spPr/>
-        <p:txBody>
-          <a:bodyPr/>
-          <a:lstStyle/>
-          <a:p>
-            <a:pPr marL="571500" indent="-571500">
-              <a:buFont typeface="Wingdings" panose="05000000000000000000" pitchFamily="2" charset="2"/>
-              <a:buChar char="§"/>
-              <a:tabLst>
-                <a:tab pos="57150" algn="l"/>
-              </a:tabLst>
-            </a:pPr>
-            <a:r>
-              <a:rPr lang="en-US" dirty="0"/>
-              <a:t>X</a:t>
-            </a:r>
-          </a:p>
-          <a:p>
-            <a:pPr marL="571500" indent="-571500">
-              <a:buFont typeface="Wingdings" panose="05000000000000000000" pitchFamily="2" charset="2"/>
-              <a:buChar char="§"/>
-              <a:tabLst>
-                <a:tab pos="57150" algn="l"/>
-              </a:tabLst>
-            </a:pPr>
-            <a:r>
-              <a:rPr lang="en-US" dirty="0"/>
-              <a:t>y</a:t>
-            </a:r>
-          </a:p>
-        </p:txBody>
-      </p:sp>
+              </a14:hiddenFill>
+            </a:ext>
+          </a:extLst>
+        </p:spPr>
+      </p:pic>
     </p:spTree>
     <p:extLst>
       <p:ext uri="{BB962C8B-B14F-4D97-AF65-F5344CB8AC3E}">
-        <p14:creationId xmlns:p14="http://schemas.microsoft.com/office/powerpoint/2010/main" val="1897960094"/>
+        <p14:creationId xmlns:p14="http://schemas.microsoft.com/office/powerpoint/2010/main" val="986076089"/>
       </p:ext>
     </p:extLst>
   </p:cSld>
@@ -4565,77 +4460,19 @@
           <a:chExt cx="0" cy="0"/>
         </a:xfrm>
       </p:grpSpPr>
-      <p:sp>
-        <p:nvSpPr>
-          <p:cNvPr id="3" name="Title 2">
-            <a:extLst>
-              <a:ext uri="{FF2B5EF4-FFF2-40B4-BE49-F238E27FC236}">
-                <a16:creationId xmlns:a16="http://schemas.microsoft.com/office/drawing/2014/main" id="{2F419570-2699-4CA1-BB19-B5668BE9F12B}"/>
-              </a:ext>
-            </a:extLst>
-          </p:cNvPr>
-          <p:cNvSpPr>
-            <a:spLocks noGrp="1"/>
-          </p:cNvSpPr>
-          <p:nvPr>
-            <p:ph type="title"/>
-          </p:nvPr>
-        </p:nvSpPr>
-        <p:spPr/>
-        <p:txBody>
-          <a:bodyPr/>
-          <a:lstStyle/>
-          <a:p>
-            <a:r>
-              <a:rPr lang="en-US" dirty="0"/>
-              <a:t>The Scam</a:t>
-            </a:r>
-          </a:p>
-        </p:txBody>
-      </p:sp>
-      <p:sp>
-        <p:nvSpPr>
-          <p:cNvPr id="4" name="Text Placeholder 3">
-            <a:extLst>
-              <a:ext uri="{FF2B5EF4-FFF2-40B4-BE49-F238E27FC236}">
-                <a16:creationId xmlns:a16="http://schemas.microsoft.com/office/drawing/2014/main" id="{0B89C840-D2A8-47E1-A030-D82C30654988}"/>
-              </a:ext>
-            </a:extLst>
-          </p:cNvPr>
-          <p:cNvSpPr>
-            <a:spLocks noGrp="1"/>
-          </p:cNvSpPr>
-          <p:nvPr>
-            <p:ph type="body" sz="half" idx="2"/>
-          </p:nvPr>
-        </p:nvSpPr>
-        <p:spPr/>
-        <p:txBody>
-          <a:bodyPr/>
-          <a:lstStyle/>
-          <a:p>
-            <a:r>
-              <a:rPr lang="en-US" dirty="0"/>
-              <a:t>Critical Inside</a:t>
-            </a:r>
-          </a:p>
-        </p:txBody>
-      </p:sp>
       <p:pic>
         <p:nvPicPr>
-          <p:cNvPr id="14" name="Picture Placeholder 13">
-            <a:extLst>
-              <a:ext uri="{FF2B5EF4-FFF2-40B4-BE49-F238E27FC236}">
-                <a16:creationId xmlns:a16="http://schemas.microsoft.com/office/drawing/2014/main" id="{5606DD2D-4F60-412E-9DE3-EBFD9720DAF1}"/>
+          <p:cNvPr id="2" name="Picture 2">
+            <a:extLst>
+              <a:ext uri="{FF2B5EF4-FFF2-40B4-BE49-F238E27FC236}">
+                <a16:creationId xmlns:a16="http://schemas.microsoft.com/office/drawing/2014/main" id="{6EF89D57-7D25-4C78-B1E0-C8866B72E98A}"/>
               </a:ext>
             </a:extLst>
           </p:cNvPr>
           <p:cNvPicPr>
-            <a:picLocks noGrp="1" noChangeAspect="1"/>
+            <a:picLocks noChangeAspect="1" noChangeArrowheads="1"/>
           </p:cNvPicPr>
-          <p:nvPr>
-            <p:ph type="pic" idx="1"/>
-          </p:nvPr>
+          <p:nvPr/>
         </p:nvPicPr>
         <p:blipFill>
           <a:blip r:embed="rId2">
@@ -4645,17 +4482,35 @@
               </a:ext>
             </a:extLst>
           </a:blip>
-          <a:srcRect t="16620" b="16620"/>
+          <a:srcRect/>
           <a:stretch>
             <a:fillRect/>
           </a:stretch>
         </p:blipFill>
-        <p:spPr/>
+        <p:spPr bwMode="auto">
+          <a:xfrm>
+            <a:off x="1008669" y="234238"/>
+            <a:ext cx="10457222" cy="6736884"/>
+          </a:xfrm>
+          <a:prstGeom prst="rect">
+            <a:avLst/>
+          </a:prstGeom>
+          <a:noFill/>
+          <a:extLst>
+            <a:ext uri="{909E8E84-426E-40DD-AFC4-6F175D3DCCD1}">
+              <a14:hiddenFill xmlns:a14="http://schemas.microsoft.com/office/drawing/2010/main">
+                <a:solidFill>
+                  <a:srgbClr val="FFFFFF"/>
+                </a:solidFill>
+              </a14:hiddenFill>
+            </a:ext>
+          </a:extLst>
+        </p:spPr>
       </p:pic>
     </p:spTree>
     <p:extLst>
       <p:ext uri="{BB962C8B-B14F-4D97-AF65-F5344CB8AC3E}">
-        <p14:creationId xmlns:p14="http://schemas.microsoft.com/office/powerpoint/2010/main" val="2977641833"/>
+        <p14:creationId xmlns:p14="http://schemas.microsoft.com/office/powerpoint/2010/main" val="1902351955"/>
       </p:ext>
     </p:extLst>
   </p:cSld>
@@ -4684,98 +4539,466 @@
       </p:grpSpPr>
       <p:pic>
         <p:nvPicPr>
-          <p:cNvPr id="2" name="Picture 1">
-            <a:extLst>
-              <a:ext uri="{FF2B5EF4-FFF2-40B4-BE49-F238E27FC236}">
-                <a16:creationId xmlns:a16="http://schemas.microsoft.com/office/drawing/2014/main" id="{09565CC4-27B9-40B1-B3E2-42A5C108D447}"/>
+          <p:cNvPr id="5122" name="Picture 2">
+            <a:extLst>
+              <a:ext uri="{FF2B5EF4-FFF2-40B4-BE49-F238E27FC236}">
+                <a16:creationId xmlns:a16="http://schemas.microsoft.com/office/drawing/2014/main" id="{D388673B-6D71-4495-944E-F7FFC01DE9B5}"/>
               </a:ext>
             </a:extLst>
           </p:cNvPr>
           <p:cNvPicPr>
-            <a:picLocks noChangeAspect="1"/>
+            <a:picLocks noChangeAspect="1" noChangeArrowheads="1"/>
           </p:cNvPicPr>
           <p:nvPr/>
         </p:nvPicPr>
         <p:blipFill>
-          <a:blip r:embed="rId2"/>
+          <a:blip r:embed="rId2">
+            <a:extLst>
+              <a:ext uri="{28A0092B-C50C-407E-A947-70E740481C1C}">
+                <a14:useLocalDpi xmlns:a14="http://schemas.microsoft.com/office/drawing/2010/main" val="0"/>
+              </a:ext>
+            </a:extLst>
+          </a:blip>
+          <a:srcRect/>
           <a:stretch>
             <a:fillRect/>
           </a:stretch>
         </p:blipFill>
-        <p:spPr>
-          <a:xfrm>
-            <a:off x="5284788" y="2586036"/>
-            <a:ext cx="2619375" cy="1743075"/>
+        <p:spPr bwMode="auto">
+          <a:xfrm>
+            <a:off x="1852613" y="552450"/>
+            <a:ext cx="8486775" cy="5753100"/>
           </a:xfrm>
           <a:prstGeom prst="rect">
             <a:avLst/>
           </a:prstGeom>
+          <a:noFill/>
+          <a:extLst>
+            <a:ext uri="{909E8E84-426E-40DD-AFC4-6F175D3DCCD1}">
+              <a14:hiddenFill xmlns:a14="http://schemas.microsoft.com/office/drawing/2010/main">
+                <a:solidFill>
+                  <a:srgbClr val="FFFFFF"/>
+                </a:solidFill>
+              </a14:hiddenFill>
+            </a:ext>
+          </a:extLst>
         </p:spPr>
       </p:pic>
+    </p:spTree>
+    <p:extLst>
+      <p:ext uri="{BB962C8B-B14F-4D97-AF65-F5344CB8AC3E}">
+        <p14:creationId xmlns:p14="http://schemas.microsoft.com/office/powerpoint/2010/main" val="951172954"/>
+      </p:ext>
+    </p:extLst>
+  </p:cSld>
+  <p:clrMapOvr>
+    <a:masterClrMapping/>
+  </p:clrMapOvr>
+</p:sld>
+</file>
+
+<file path=ppt/slides/slide16.xml><?xml version="1.0" encoding="utf-8"?>
+<p:sld xmlns:a="http://schemas.openxmlformats.org/drawingml/2006/main" xmlns:r="http://schemas.openxmlformats.org/officeDocument/2006/relationships" xmlns:p="http://schemas.openxmlformats.org/presentationml/2006/main">
+  <p:cSld>
+    <p:spTree>
+      <p:nvGrpSpPr>
+        <p:cNvPr id="1" name=""/>
+        <p:cNvGrpSpPr/>
+        <p:nvPr/>
+      </p:nvGrpSpPr>
+      <p:grpSpPr>
+        <a:xfrm>
+          <a:off x="0" y="0"/>
+          <a:ext cx="0" cy="0"/>
+          <a:chOff x="0" y="0"/>
+          <a:chExt cx="0" cy="0"/>
+        </a:xfrm>
+      </p:grpSpPr>
+    </p:spTree>
+    <p:extLst>
+      <p:ext uri="{BB962C8B-B14F-4D97-AF65-F5344CB8AC3E}">
+        <p14:creationId xmlns:p14="http://schemas.microsoft.com/office/powerpoint/2010/main" val="3826120421"/>
+      </p:ext>
+    </p:extLst>
+  </p:cSld>
+  <p:clrMapOvr>
+    <a:masterClrMapping/>
+  </p:clrMapOvr>
+</p:sld>
+</file>
+
+<file path=ppt/slides/slide17.xml><?xml version="1.0" encoding="utf-8"?>
+<p:sld xmlns:a="http://schemas.openxmlformats.org/drawingml/2006/main" xmlns:r="http://schemas.openxmlformats.org/officeDocument/2006/relationships" xmlns:p="http://schemas.openxmlformats.org/presentationml/2006/main">
+  <p:cSld>
+    <p:spTree>
+      <p:nvGrpSpPr>
+        <p:cNvPr id="1" name=""/>
+        <p:cNvGrpSpPr/>
+        <p:nvPr/>
+      </p:nvGrpSpPr>
+      <p:grpSpPr>
+        <a:xfrm>
+          <a:off x="0" y="0"/>
+          <a:ext cx="0" cy="0"/>
+          <a:chOff x="0" y="0"/>
+          <a:chExt cx="0" cy="0"/>
+        </a:xfrm>
+      </p:grpSpPr>
+      <p:sp>
+        <p:nvSpPr>
+          <p:cNvPr id="2" name="Title 1">
+            <a:extLst>
+              <a:ext uri="{FF2B5EF4-FFF2-40B4-BE49-F238E27FC236}">
+                <a16:creationId xmlns:a16="http://schemas.microsoft.com/office/drawing/2014/main" id="{01E69718-F957-42E4-BFE2-C681A5052620}"/>
+              </a:ext>
+            </a:extLst>
+          </p:cNvPr>
+          <p:cNvSpPr>
+            <a:spLocks noGrp="1"/>
+          </p:cNvSpPr>
+          <p:nvPr>
+            <p:ph type="title"/>
+          </p:nvPr>
+        </p:nvSpPr>
+        <p:spPr>
+          <a:xfrm>
+            <a:off x="1097280" y="286603"/>
+            <a:ext cx="10058400" cy="702305"/>
+          </a:xfrm>
+        </p:spPr>
+        <p:txBody>
+          <a:bodyPr anchor="t">
+            <a:normAutofit fontScale="90000"/>
+          </a:bodyPr>
+          <a:lstStyle/>
+          <a:p>
+            <a:r>
+              <a:rPr lang="en-US" dirty="0">
+                <a:latin typeface="Arial Black" panose="020B0A04020102020204" pitchFamily="34" charset="0"/>
+              </a:rPr>
+              <a:t>Hawaii Airbnb</a:t>
+            </a:r>
+            <a:br>
+              <a:rPr lang="en-US" dirty="0">
+                <a:latin typeface="Arial Black" panose="020B0A04020102020204" pitchFamily="34" charset="0"/>
+              </a:rPr>
+            </a:br>
+            <a:r>
+              <a:rPr lang="en-US" sz="4800" dirty="0">
+                <a:solidFill>
+                  <a:srgbClr val="0070C0"/>
+                </a:solidFill>
+                <a:latin typeface="Arial Black" panose="020B0A04020102020204" pitchFamily="34" charset="0"/>
+              </a:rPr>
+              <a:t>Conclusion</a:t>
+            </a:r>
+            <a:endParaRPr lang="en-US" dirty="0">
+              <a:latin typeface="Arial Black" panose="020B0A04020102020204" pitchFamily="34" charset="0"/>
+            </a:endParaRPr>
+          </a:p>
+        </p:txBody>
+      </p:sp>
+      <p:sp>
+        <p:nvSpPr>
+          <p:cNvPr id="3" name="Content Placeholder 2">
+            <a:extLst>
+              <a:ext uri="{FF2B5EF4-FFF2-40B4-BE49-F238E27FC236}">
+                <a16:creationId xmlns:a16="http://schemas.microsoft.com/office/drawing/2014/main" id="{FA97FEB7-9FC7-4DB8-9A57-85E4C5BC4BA8}"/>
+              </a:ext>
+            </a:extLst>
+          </p:cNvPr>
+          <p:cNvSpPr>
+            <a:spLocks noGrp="1"/>
+          </p:cNvSpPr>
+          <p:nvPr>
+            <p:ph idx="1"/>
+          </p:nvPr>
+        </p:nvSpPr>
+        <p:spPr/>
+        <p:txBody>
+          <a:bodyPr/>
+          <a:lstStyle/>
+          <a:p>
+            <a:pPr marL="571500" indent="-571500">
+              <a:buFont typeface="Wingdings" panose="05000000000000000000" pitchFamily="2" charset="2"/>
+              <a:buChar char="§"/>
+              <a:tabLst>
+                <a:tab pos="57150" algn="l"/>
+              </a:tabLst>
+            </a:pPr>
+            <a:r>
+              <a:rPr lang="en-US" dirty="0"/>
+              <a:t>X</a:t>
+            </a:r>
+          </a:p>
+          <a:p>
+            <a:pPr marL="571500" indent="-571500">
+              <a:buFont typeface="Wingdings" panose="05000000000000000000" pitchFamily="2" charset="2"/>
+              <a:buChar char="§"/>
+              <a:tabLst>
+                <a:tab pos="57150" algn="l"/>
+              </a:tabLst>
+            </a:pPr>
+            <a:r>
+              <a:rPr lang="en-US" dirty="0"/>
+              <a:t>y</a:t>
+            </a:r>
+          </a:p>
+        </p:txBody>
+      </p:sp>
+    </p:spTree>
+    <p:extLst>
+      <p:ext uri="{BB962C8B-B14F-4D97-AF65-F5344CB8AC3E}">
+        <p14:creationId xmlns:p14="http://schemas.microsoft.com/office/powerpoint/2010/main" val="2999798160"/>
+      </p:ext>
+    </p:extLst>
+  </p:cSld>
+  <p:clrMapOvr>
+    <a:masterClrMapping/>
+  </p:clrMapOvr>
+</p:sld>
+</file>
+
+<file path=ppt/slides/slide18.xml><?xml version="1.0" encoding="utf-8"?>
+<p:sld xmlns:a="http://schemas.openxmlformats.org/drawingml/2006/main" xmlns:r="http://schemas.openxmlformats.org/officeDocument/2006/relationships" xmlns:p="http://schemas.openxmlformats.org/presentationml/2006/main">
+  <p:cSld>
+    <p:spTree>
+      <p:nvGrpSpPr>
+        <p:cNvPr id="1" name=""/>
+        <p:cNvGrpSpPr/>
+        <p:nvPr/>
+      </p:nvGrpSpPr>
+      <p:grpSpPr>
+        <a:xfrm>
+          <a:off x="0" y="0"/>
+          <a:ext cx="0" cy="0"/>
+          <a:chOff x="0" y="0"/>
+          <a:chExt cx="0" cy="0"/>
+        </a:xfrm>
+      </p:grpSpPr>
+      <p:sp>
+        <p:nvSpPr>
+          <p:cNvPr id="2" name="Title 1">
+            <a:extLst>
+              <a:ext uri="{FF2B5EF4-FFF2-40B4-BE49-F238E27FC236}">
+                <a16:creationId xmlns:a16="http://schemas.microsoft.com/office/drawing/2014/main" id="{01E69718-F957-42E4-BFE2-C681A5052620}"/>
+              </a:ext>
+            </a:extLst>
+          </p:cNvPr>
+          <p:cNvSpPr>
+            <a:spLocks noGrp="1"/>
+          </p:cNvSpPr>
+          <p:nvPr>
+            <p:ph type="title"/>
+          </p:nvPr>
+        </p:nvSpPr>
+        <p:spPr>
+          <a:xfrm>
+            <a:off x="1097280" y="286603"/>
+            <a:ext cx="10058400" cy="702305"/>
+          </a:xfrm>
+        </p:spPr>
+        <p:txBody>
+          <a:bodyPr anchor="t">
+            <a:normAutofit fontScale="90000"/>
+          </a:bodyPr>
+          <a:lstStyle/>
+          <a:p>
+            <a:r>
+              <a:rPr lang="en-US" dirty="0">
+                <a:latin typeface="Arial Black" panose="020B0A04020102020204" pitchFamily="34" charset="0"/>
+              </a:rPr>
+              <a:t>Hawaii Airbnb</a:t>
+            </a:r>
+            <a:br>
+              <a:rPr lang="en-US" dirty="0">
+                <a:latin typeface="Arial Black" panose="020B0A04020102020204" pitchFamily="34" charset="0"/>
+              </a:rPr>
+            </a:br>
+            <a:r>
+              <a:rPr lang="en-US" sz="4800" dirty="0">
+                <a:solidFill>
+                  <a:srgbClr val="0070C0"/>
+                </a:solidFill>
+                <a:latin typeface="Arial Black" panose="020B0A04020102020204" pitchFamily="34" charset="0"/>
+              </a:rPr>
+              <a:t>Recommendation</a:t>
+            </a:r>
+            <a:endParaRPr lang="en-US" dirty="0">
+              <a:latin typeface="Arial Black" panose="020B0A04020102020204" pitchFamily="34" charset="0"/>
+            </a:endParaRPr>
+          </a:p>
+        </p:txBody>
+      </p:sp>
+      <p:sp>
+        <p:nvSpPr>
+          <p:cNvPr id="3" name="Content Placeholder 2">
+            <a:extLst>
+              <a:ext uri="{FF2B5EF4-FFF2-40B4-BE49-F238E27FC236}">
+                <a16:creationId xmlns:a16="http://schemas.microsoft.com/office/drawing/2014/main" id="{FA97FEB7-9FC7-4DB8-9A57-85E4C5BC4BA8}"/>
+              </a:ext>
+            </a:extLst>
+          </p:cNvPr>
+          <p:cNvSpPr>
+            <a:spLocks noGrp="1"/>
+          </p:cNvSpPr>
+          <p:nvPr>
+            <p:ph idx="1"/>
+          </p:nvPr>
+        </p:nvSpPr>
+        <p:spPr/>
+        <p:txBody>
+          <a:bodyPr/>
+          <a:lstStyle/>
+          <a:p>
+            <a:pPr marL="571500" indent="-571500">
+              <a:buFont typeface="Wingdings" panose="05000000000000000000" pitchFamily="2" charset="2"/>
+              <a:buChar char="§"/>
+              <a:tabLst>
+                <a:tab pos="57150" algn="l"/>
+              </a:tabLst>
+            </a:pPr>
+            <a:r>
+              <a:rPr lang="en-US" dirty="0"/>
+              <a:t>X</a:t>
+            </a:r>
+          </a:p>
+          <a:p>
+            <a:pPr marL="571500" indent="-571500">
+              <a:buFont typeface="Wingdings" panose="05000000000000000000" pitchFamily="2" charset="2"/>
+              <a:buChar char="§"/>
+              <a:tabLst>
+                <a:tab pos="57150" algn="l"/>
+              </a:tabLst>
+            </a:pPr>
+            <a:r>
+              <a:rPr lang="en-US" dirty="0"/>
+              <a:t>y</a:t>
+            </a:r>
+          </a:p>
+        </p:txBody>
+      </p:sp>
+    </p:spTree>
+    <p:extLst>
+      <p:ext uri="{BB962C8B-B14F-4D97-AF65-F5344CB8AC3E}">
+        <p14:creationId xmlns:p14="http://schemas.microsoft.com/office/powerpoint/2010/main" val="1897960094"/>
+      </p:ext>
+    </p:extLst>
+  </p:cSld>
+  <p:clrMapOvr>
+    <a:masterClrMapping/>
+  </p:clrMapOvr>
+</p:sld>
+</file>
+
+<file path=ppt/slides/slide19.xml><?xml version="1.0" encoding="utf-8"?>
+<p:sld xmlns:a="http://schemas.openxmlformats.org/drawingml/2006/main" xmlns:r="http://schemas.openxmlformats.org/officeDocument/2006/relationships" xmlns:p="http://schemas.openxmlformats.org/presentationml/2006/main">
+  <p:cSld>
+    <p:spTree>
+      <p:nvGrpSpPr>
+        <p:cNvPr id="1" name=""/>
+        <p:cNvGrpSpPr/>
+        <p:nvPr/>
+      </p:nvGrpSpPr>
+      <p:grpSpPr>
+        <a:xfrm>
+          <a:off x="0" y="0"/>
+          <a:ext cx="0" cy="0"/>
+          <a:chOff x="0" y="0"/>
+          <a:chExt cx="0" cy="0"/>
+        </a:xfrm>
+      </p:grpSpPr>
+      <p:sp>
+        <p:nvSpPr>
+          <p:cNvPr id="3" name="Title 2">
+            <a:extLst>
+              <a:ext uri="{FF2B5EF4-FFF2-40B4-BE49-F238E27FC236}">
+                <a16:creationId xmlns:a16="http://schemas.microsoft.com/office/drawing/2014/main" id="{2F419570-2699-4CA1-BB19-B5668BE9F12B}"/>
+              </a:ext>
+            </a:extLst>
+          </p:cNvPr>
+          <p:cNvSpPr>
+            <a:spLocks noGrp="1"/>
+          </p:cNvSpPr>
+          <p:nvPr>
+            <p:ph type="title"/>
+          </p:nvPr>
+        </p:nvSpPr>
+        <p:spPr/>
+        <p:txBody>
+          <a:bodyPr/>
+          <a:lstStyle/>
+          <a:p>
+            <a:r>
+              <a:rPr lang="en-US" dirty="0"/>
+              <a:t>The Scam</a:t>
+            </a:r>
+          </a:p>
+        </p:txBody>
+      </p:sp>
+      <p:sp>
+        <p:nvSpPr>
+          <p:cNvPr id="4" name="Text Placeholder 3">
+            <a:extLst>
+              <a:ext uri="{FF2B5EF4-FFF2-40B4-BE49-F238E27FC236}">
+                <a16:creationId xmlns:a16="http://schemas.microsoft.com/office/drawing/2014/main" id="{0B89C840-D2A8-47E1-A030-D82C30654988}"/>
+              </a:ext>
+            </a:extLst>
+          </p:cNvPr>
+          <p:cNvSpPr>
+            <a:spLocks noGrp="1"/>
+          </p:cNvSpPr>
+          <p:nvPr>
+            <p:ph type="body" sz="half" idx="2"/>
+          </p:nvPr>
+        </p:nvSpPr>
+        <p:spPr/>
+        <p:txBody>
+          <a:bodyPr/>
+          <a:lstStyle/>
+          <a:p>
+            <a:r>
+              <a:rPr lang="en-US" dirty="0"/>
+              <a:t>Critical Inside</a:t>
+            </a:r>
+          </a:p>
+        </p:txBody>
+      </p:sp>
       <p:pic>
         <p:nvPicPr>
-          <p:cNvPr id="3" name="Picture 2">
-            <a:extLst>
-              <a:ext uri="{FF2B5EF4-FFF2-40B4-BE49-F238E27FC236}">
-                <a16:creationId xmlns:a16="http://schemas.microsoft.com/office/drawing/2014/main" id="{344AB99F-3DC4-497D-86E2-39B085AB367F}"/>
+          <p:cNvPr id="14" name="Picture Placeholder 13">
+            <a:extLst>
+              <a:ext uri="{FF2B5EF4-FFF2-40B4-BE49-F238E27FC236}">
+                <a16:creationId xmlns:a16="http://schemas.microsoft.com/office/drawing/2014/main" id="{5606DD2D-4F60-412E-9DE3-EBFD9720DAF1}"/>
               </a:ext>
             </a:extLst>
           </p:cNvPr>
           <p:cNvPicPr>
-            <a:picLocks noChangeAspect="1"/>
+            <a:picLocks noGrp="1" noChangeAspect="1"/>
           </p:cNvPicPr>
-          <p:nvPr/>
+          <p:nvPr>
+            <p:ph type="pic" idx="1"/>
+          </p:nvPr>
         </p:nvPicPr>
         <p:blipFill>
-          <a:blip r:embed="rId3"/>
+          <a:blip r:embed="rId2">
+            <a:extLst>
+              <a:ext uri="{28A0092B-C50C-407E-A947-70E740481C1C}">
+                <a14:useLocalDpi xmlns:a14="http://schemas.microsoft.com/office/drawing/2010/main" val="0"/>
+              </a:ext>
+            </a:extLst>
+          </a:blip>
+          <a:srcRect t="16620" b="16620"/>
           <a:stretch>
             <a:fillRect/>
           </a:stretch>
         </p:blipFill>
-        <p:spPr>
-          <a:xfrm>
-            <a:off x="8629121" y="602264"/>
-            <a:ext cx="2847975" cy="1600200"/>
-          </a:xfrm>
-          <a:prstGeom prst="rect">
-            <a:avLst/>
-          </a:prstGeom>
-        </p:spPr>
-      </p:pic>
-      <p:pic>
-        <p:nvPicPr>
-          <p:cNvPr id="5" name="Picture 4">
-            <a:extLst>
-              <a:ext uri="{FF2B5EF4-FFF2-40B4-BE49-F238E27FC236}">
-                <a16:creationId xmlns:a16="http://schemas.microsoft.com/office/drawing/2014/main" id="{5E90E05B-E492-46D8-A98F-CD314777B393}"/>
-              </a:ext>
-            </a:extLst>
-          </p:cNvPr>
-          <p:cNvPicPr>
-            <a:picLocks noChangeAspect="1"/>
-          </p:cNvPicPr>
-          <p:nvPr/>
-        </p:nvPicPr>
-        <p:blipFill>
-          <a:blip r:embed="rId4"/>
-          <a:stretch>
-            <a:fillRect/>
-          </a:stretch>
-        </p:blipFill>
-        <p:spPr>
-          <a:xfrm>
-            <a:off x="9005887" y="4421630"/>
-            <a:ext cx="2714625" cy="1685925"/>
-          </a:xfrm>
-          <a:prstGeom prst="rect">
-            <a:avLst/>
-          </a:prstGeom>
-        </p:spPr>
+        <p:spPr/>
       </p:pic>
     </p:spTree>
     <p:extLst>
       <p:ext uri="{BB962C8B-B14F-4D97-AF65-F5344CB8AC3E}">
-        <p14:creationId xmlns:p14="http://schemas.microsoft.com/office/powerpoint/2010/main" val="810258624"/>
+        <p14:creationId xmlns:p14="http://schemas.microsoft.com/office/powerpoint/2010/main" val="2977641833"/>
       </p:ext>
     </p:extLst>
   </p:cSld>
@@ -5011,6 +5234,126 @@
     <p:extLst>
       <p:ext uri="{BB962C8B-B14F-4D97-AF65-F5344CB8AC3E}">
         <p14:creationId xmlns:p14="http://schemas.microsoft.com/office/powerpoint/2010/main" val="191714609"/>
+      </p:ext>
+    </p:extLst>
+  </p:cSld>
+  <p:clrMapOvr>
+    <a:masterClrMapping/>
+  </p:clrMapOvr>
+</p:sld>
+</file>
+
+<file path=ppt/slides/slide20.xml><?xml version="1.0" encoding="utf-8"?>
+<p:sld xmlns:a="http://schemas.openxmlformats.org/drawingml/2006/main" xmlns:r="http://schemas.openxmlformats.org/officeDocument/2006/relationships" xmlns:p="http://schemas.openxmlformats.org/presentationml/2006/main">
+  <p:cSld>
+    <p:spTree>
+      <p:nvGrpSpPr>
+        <p:cNvPr id="1" name=""/>
+        <p:cNvGrpSpPr/>
+        <p:nvPr/>
+      </p:nvGrpSpPr>
+      <p:grpSpPr>
+        <a:xfrm>
+          <a:off x="0" y="0"/>
+          <a:ext cx="0" cy="0"/>
+          <a:chOff x="0" y="0"/>
+          <a:chExt cx="0" cy="0"/>
+        </a:xfrm>
+      </p:grpSpPr>
+      <p:pic>
+        <p:nvPicPr>
+          <p:cNvPr id="2" name="Picture 1">
+            <a:extLst>
+              <a:ext uri="{FF2B5EF4-FFF2-40B4-BE49-F238E27FC236}">
+                <a16:creationId xmlns:a16="http://schemas.microsoft.com/office/drawing/2014/main" id="{09565CC4-27B9-40B1-B3E2-42A5C108D447}"/>
+              </a:ext>
+            </a:extLst>
+          </p:cNvPr>
+          <p:cNvPicPr>
+            <a:picLocks noChangeAspect="1"/>
+          </p:cNvPicPr>
+          <p:nvPr/>
+        </p:nvPicPr>
+        <p:blipFill>
+          <a:blip r:embed="rId2"/>
+          <a:stretch>
+            <a:fillRect/>
+          </a:stretch>
+        </p:blipFill>
+        <p:spPr>
+          <a:xfrm>
+            <a:off x="5284788" y="2586036"/>
+            <a:ext cx="2619375" cy="1743075"/>
+          </a:xfrm>
+          <a:prstGeom prst="rect">
+            <a:avLst/>
+          </a:prstGeom>
+        </p:spPr>
+      </p:pic>
+      <p:pic>
+        <p:nvPicPr>
+          <p:cNvPr id="3" name="Picture 2">
+            <a:extLst>
+              <a:ext uri="{FF2B5EF4-FFF2-40B4-BE49-F238E27FC236}">
+                <a16:creationId xmlns:a16="http://schemas.microsoft.com/office/drawing/2014/main" id="{344AB99F-3DC4-497D-86E2-39B085AB367F}"/>
+              </a:ext>
+            </a:extLst>
+          </p:cNvPr>
+          <p:cNvPicPr>
+            <a:picLocks noChangeAspect="1"/>
+          </p:cNvPicPr>
+          <p:nvPr/>
+        </p:nvPicPr>
+        <p:blipFill>
+          <a:blip r:embed="rId3"/>
+          <a:stretch>
+            <a:fillRect/>
+          </a:stretch>
+        </p:blipFill>
+        <p:spPr>
+          <a:xfrm>
+            <a:off x="8629121" y="602264"/>
+            <a:ext cx="2847975" cy="1600200"/>
+          </a:xfrm>
+          <a:prstGeom prst="rect">
+            <a:avLst/>
+          </a:prstGeom>
+        </p:spPr>
+      </p:pic>
+      <p:pic>
+        <p:nvPicPr>
+          <p:cNvPr id="5" name="Picture 4">
+            <a:extLst>
+              <a:ext uri="{FF2B5EF4-FFF2-40B4-BE49-F238E27FC236}">
+                <a16:creationId xmlns:a16="http://schemas.microsoft.com/office/drawing/2014/main" id="{5E90E05B-E492-46D8-A98F-CD314777B393}"/>
+              </a:ext>
+            </a:extLst>
+          </p:cNvPr>
+          <p:cNvPicPr>
+            <a:picLocks noChangeAspect="1"/>
+          </p:cNvPicPr>
+          <p:nvPr/>
+        </p:nvPicPr>
+        <p:blipFill>
+          <a:blip r:embed="rId4"/>
+          <a:stretch>
+            <a:fillRect/>
+          </a:stretch>
+        </p:blipFill>
+        <p:spPr>
+          <a:xfrm>
+            <a:off x="9005887" y="4421630"/>
+            <a:ext cx="2714625" cy="1685925"/>
+          </a:xfrm>
+          <a:prstGeom prst="rect">
+            <a:avLst/>
+          </a:prstGeom>
+        </p:spPr>
+      </p:pic>
+    </p:spTree>
+    <p:extLst>
+      <p:ext uri="{BB962C8B-B14F-4D97-AF65-F5344CB8AC3E}">
+        <p14:creationId xmlns:p14="http://schemas.microsoft.com/office/powerpoint/2010/main" val="810258624"/>
       </p:ext>
     </p:extLst>
   </p:cSld>
